--- a/Presentation1.pptx
+++ b/Presentation1.pptx
@@ -11,6 +11,14 @@
     <p:sldId id="259" r:id="rId5"/>
     <p:sldId id="260" r:id="rId6"/>
     <p:sldId id="261" r:id="rId7"/>
+    <p:sldId id="263" r:id="rId8"/>
+    <p:sldId id="262" r:id="rId9"/>
+    <p:sldId id="264" r:id="rId10"/>
+    <p:sldId id="266" r:id="rId11"/>
+    <p:sldId id="265" r:id="rId12"/>
+    <p:sldId id="267" r:id="rId13"/>
+    <p:sldId id="268" r:id="rId14"/>
+    <p:sldId id="269" r:id="rId15"/>
   </p:sldIdLst>
   <p:sldSz cx="9144000" cy="6858000" type="screen4x3"/>
   <p:notesSz cx="6858000" cy="9144000"/>
@@ -5373,6 +5381,955 @@
 </p:sld>
 </file>
 
+<file path=ppt/slides/slide10.xml><?xml version="1.0" encoding="utf-8"?>
+<p:sld xmlns:a="http://schemas.openxmlformats.org/drawingml/2006/main" xmlns:r="http://schemas.openxmlformats.org/officeDocument/2006/relationships" xmlns:p="http://schemas.openxmlformats.org/presentationml/2006/main">
+  <p:cSld>
+    <p:spTree>
+      <p:nvGrpSpPr>
+        <p:cNvPr id="1" name=""/>
+        <p:cNvGrpSpPr/>
+        <p:nvPr/>
+      </p:nvGrpSpPr>
+      <p:grpSpPr>
+        <a:xfrm>
+          <a:off x="0" y="0"/>
+          <a:ext cx="0" cy="0"/>
+          <a:chOff x="0" y="0"/>
+          <a:chExt cx="0" cy="0"/>
+        </a:xfrm>
+      </p:grpSpPr>
+      <p:sp>
+        <p:nvSpPr>
+          <p:cNvPr id="2" name="Title 1"/>
+          <p:cNvSpPr>
+            <a:spLocks noGrp="1"/>
+          </p:cNvSpPr>
+          <p:nvPr>
+            <p:ph type="title"/>
+          </p:nvPr>
+        </p:nvSpPr>
+        <p:spPr>
+          <a:xfrm>
+            <a:off x="415925" y="1456765"/>
+            <a:ext cx="2558277" cy="1143000"/>
+          </a:xfrm>
+        </p:spPr>
+        <p:txBody>
+          <a:bodyPr/>
+          <a:lstStyle/>
+          <a:p>
+            <a:r>
+              <a:rPr lang="en-US" dirty="0" smtClean="0"/>
+              <a:t>Second experiment</a:t>
+            </a:r>
+            <a:endParaRPr lang="en-US" dirty="0"/>
+          </a:p>
+        </p:txBody>
+      </p:sp>
+      <p:sp>
+        <p:nvSpPr>
+          <p:cNvPr id="3" name="Content Placeholder 2"/>
+          <p:cNvSpPr>
+            <a:spLocks noGrp="1"/>
+          </p:cNvSpPr>
+          <p:nvPr>
+            <p:ph idx="1"/>
+          </p:nvPr>
+        </p:nvSpPr>
+        <p:spPr>
+          <a:xfrm>
+            <a:off x="415925" y="4244731"/>
+            <a:ext cx="8308975" cy="2003667"/>
+          </a:xfrm>
+        </p:spPr>
+        <p:txBody>
+          <a:bodyPr/>
+          <a:lstStyle/>
+          <a:p>
+            <a:r>
+              <a:rPr lang="en-US" b="1" i="1" dirty="0" smtClean="0"/>
+              <a:t>Tuning the parallelism </a:t>
+            </a:r>
+            <a:r>
+              <a:rPr lang="en-US" dirty="0" smtClean="0"/>
+              <a:t>of the Topology</a:t>
+            </a:r>
+          </a:p>
+          <a:p>
+            <a:r>
+              <a:rPr lang="en-US" dirty="0" smtClean="0"/>
+              <a:t>Topology: a Kestrel-Spout, a Filter-Bolt and a Terminal-Bolt</a:t>
+            </a:r>
+          </a:p>
+          <a:p>
+            <a:r>
+              <a:rPr lang="en-US" dirty="0" smtClean="0"/>
+              <a:t>In local mode, optimal parallelism was: two instances for the Spout and one for each Bolt</a:t>
+            </a:r>
+            <a:endParaRPr lang="en-US" dirty="0"/>
+          </a:p>
+        </p:txBody>
+      </p:sp>
+      <p:pic>
+        <p:nvPicPr>
+          <p:cNvPr id="5" name="Content Placeholder 3"/>
+          <p:cNvPicPr>
+            <a:picLocks noChangeAspect="1"/>
+          </p:cNvPicPr>
+          <p:nvPr/>
+        </p:nvPicPr>
+        <p:blipFill>
+          <a:blip r:embed="rId2"/>
+          <a:srcRect t="6628" b="6628"/>
+          <a:stretch>
+            <a:fillRect/>
+          </a:stretch>
+        </p:blipFill>
+        <p:spPr>
+          <a:xfrm>
+            <a:off x="2965525" y="1456764"/>
+            <a:ext cx="5759376" cy="2420313"/>
+          </a:xfrm>
+          <a:prstGeom prst="rect">
+            <a:avLst/>
+          </a:prstGeom>
+        </p:spPr>
+      </p:pic>
+    </p:spTree>
+    <p:extLst>
+      <p:ext uri="{BB962C8B-B14F-4D97-AF65-F5344CB8AC3E}">
+        <p14:creationId xmlns:p14="http://schemas.microsoft.com/office/powerpoint/2010/main" val="922998104"/>
+      </p:ext>
+    </p:extLst>
+  </p:cSld>
+  <p:clrMapOvr>
+    <a:masterClrMapping/>
+  </p:clrMapOvr>
+  <p:timing>
+    <p:tnLst>
+      <p:par>
+        <p:cTn xmlns:p14="http://schemas.microsoft.com/office/powerpoint/2010/main" id="1" dur="indefinite" restart="never" nodeType="tmRoot"/>
+      </p:par>
+    </p:tnLst>
+  </p:timing>
+</p:sld>
+</file>
+
+<file path=ppt/slides/slide11.xml><?xml version="1.0" encoding="utf-8"?>
+<p:sld xmlns:a="http://schemas.openxmlformats.org/drawingml/2006/main" xmlns:r="http://schemas.openxmlformats.org/officeDocument/2006/relationships" xmlns:p="http://schemas.openxmlformats.org/presentationml/2006/main">
+  <p:cSld>
+    <p:spTree>
+      <p:nvGrpSpPr>
+        <p:cNvPr id="1" name=""/>
+        <p:cNvGrpSpPr/>
+        <p:nvPr/>
+      </p:nvGrpSpPr>
+      <p:grpSpPr>
+        <a:xfrm>
+          <a:off x="0" y="0"/>
+          <a:ext cx="0" cy="0"/>
+          <a:chOff x="0" y="0"/>
+          <a:chExt cx="0" cy="0"/>
+        </a:xfrm>
+      </p:grpSpPr>
+      <p:sp>
+        <p:nvSpPr>
+          <p:cNvPr id="2" name="Title 1"/>
+          <p:cNvSpPr>
+            <a:spLocks noGrp="1"/>
+          </p:cNvSpPr>
+          <p:nvPr>
+            <p:ph type="title"/>
+          </p:nvPr>
+        </p:nvSpPr>
+        <p:spPr>
+          <a:xfrm>
+            <a:off x="415926" y="1456765"/>
+            <a:ext cx="2324350" cy="1143000"/>
+          </a:xfrm>
+        </p:spPr>
+        <p:txBody>
+          <a:bodyPr/>
+          <a:lstStyle/>
+          <a:p>
+            <a:r>
+              <a:rPr lang="en-US" dirty="0" smtClean="0"/>
+              <a:t>Third experiment</a:t>
+            </a:r>
+            <a:endParaRPr lang="en-US" dirty="0"/>
+          </a:p>
+        </p:txBody>
+      </p:sp>
+      <p:sp>
+        <p:nvSpPr>
+          <p:cNvPr id="10" name="Content Placeholder 9"/>
+          <p:cNvSpPr>
+            <a:spLocks noGrp="1"/>
+          </p:cNvSpPr>
+          <p:nvPr>
+            <p:ph idx="1"/>
+          </p:nvPr>
+        </p:nvSpPr>
+        <p:spPr>
+          <a:xfrm>
+            <a:off x="415925" y="4467693"/>
+            <a:ext cx="4600369" cy="1780705"/>
+          </a:xfrm>
+        </p:spPr>
+        <p:txBody>
+          <a:bodyPr/>
+          <a:lstStyle/>
+          <a:p>
+            <a:r>
+              <a:rPr lang="en-US" dirty="0" smtClean="0"/>
+              <a:t>Sharing two </a:t>
+            </a:r>
+            <a:r>
+              <a:rPr lang="en-US" b="1" i="1" dirty="0" smtClean="0"/>
+              <a:t>equivalent filters </a:t>
+            </a:r>
+            <a:endParaRPr lang="en-US" dirty="0"/>
+          </a:p>
+          <a:p>
+            <a:r>
+              <a:rPr lang="en-US" dirty="0" smtClean="0"/>
+              <a:t>Filters that block the same tuples</a:t>
+            </a:r>
+          </a:p>
+          <a:p>
+            <a:r>
+              <a:rPr lang="en-US" dirty="0" smtClean="0"/>
+              <a:t>Slope of the line is the throughput</a:t>
+            </a:r>
+            <a:endParaRPr lang="en-US" dirty="0"/>
+          </a:p>
+        </p:txBody>
+      </p:sp>
+      <p:pic>
+        <p:nvPicPr>
+          <p:cNvPr id="11" name="Picture 10"/>
+          <p:cNvPicPr>
+            <a:picLocks noChangeAspect="1"/>
+          </p:cNvPicPr>
+          <p:nvPr/>
+        </p:nvPicPr>
+        <p:blipFill>
+          <a:blip r:embed="rId2"/>
+          <a:stretch>
+            <a:fillRect/>
+          </a:stretch>
+        </p:blipFill>
+        <p:spPr>
+          <a:xfrm>
+            <a:off x="4774549" y="1298914"/>
+            <a:ext cx="3796946" cy="3742704"/>
+          </a:xfrm>
+          <a:prstGeom prst="rect">
+            <a:avLst/>
+          </a:prstGeom>
+        </p:spPr>
+      </p:pic>
+      <p:pic>
+        <p:nvPicPr>
+          <p:cNvPr id="12" name="Picture 11"/>
+          <p:cNvPicPr>
+            <a:picLocks noChangeAspect="1"/>
+          </p:cNvPicPr>
+          <p:nvPr/>
+        </p:nvPicPr>
+        <p:blipFill>
+          <a:blip r:embed="rId3"/>
+          <a:stretch>
+            <a:fillRect/>
+          </a:stretch>
+        </p:blipFill>
+        <p:spPr>
+          <a:xfrm>
+            <a:off x="3237495" y="1374538"/>
+            <a:ext cx="5334000" cy="2921000"/>
+          </a:xfrm>
+          <a:prstGeom prst="rect">
+            <a:avLst/>
+          </a:prstGeom>
+        </p:spPr>
+      </p:pic>
+    </p:spTree>
+    <p:extLst>
+      <p:ext uri="{BB962C8B-B14F-4D97-AF65-F5344CB8AC3E}">
+        <p14:creationId xmlns:p14="http://schemas.microsoft.com/office/powerpoint/2010/main" val="2142046267"/>
+      </p:ext>
+    </p:extLst>
+  </p:cSld>
+  <p:clrMapOvr>
+    <a:masterClrMapping/>
+  </p:clrMapOvr>
+  <p:timing>
+    <p:tnLst>
+      <p:par>
+        <p:cTn xmlns:p14="http://schemas.microsoft.com/office/powerpoint/2010/main" id="1" dur="indefinite" restart="never" nodeType="tmRoot">
+          <p:childTnLst>
+            <p:seq concurrent="1" nextAc="seek">
+              <p:cTn id="2" dur="indefinite" nodeType="mainSeq">
+                <p:childTnLst>
+                  <p:par>
+                    <p:cTn id="3" fill="hold">
+                      <p:stCondLst>
+                        <p:cond delay="indefinite"/>
+                      </p:stCondLst>
+                      <p:childTnLst>
+                        <p:par>
+                          <p:cTn id="4" fill="hold">
+                            <p:stCondLst>
+                              <p:cond delay="0"/>
+                            </p:stCondLst>
+                            <p:childTnLst>
+                              <p:par>
+                                <p:cTn id="5" presetID="1" presetClass="exit" presetSubtype="0" fill="hold" nodeType="clickEffect">
+                                  <p:stCondLst>
+                                    <p:cond delay="0"/>
+                                  </p:stCondLst>
+                                  <p:childTnLst>
+                                    <p:set>
+                                      <p:cBhvr>
+                                        <p:cTn id="6" dur="1" fill="hold">
+                                          <p:stCondLst>
+                                            <p:cond delay="0"/>
+                                          </p:stCondLst>
+                                        </p:cTn>
+                                        <p:tgtEl>
+                                          <p:spTgt spid="11"/>
+                                        </p:tgtEl>
+                                        <p:attrNameLst>
+                                          <p:attrName>style.visibility</p:attrName>
+                                        </p:attrNameLst>
+                                      </p:cBhvr>
+                                      <p:to>
+                                        <p:strVal val="hidden"/>
+                                      </p:to>
+                                    </p:set>
+                                  </p:childTnLst>
+                                </p:cTn>
+                              </p:par>
+                              <p:par>
+                                <p:cTn id="7" presetID="1" presetClass="entr" presetSubtype="0" fill="hold" nodeType="withEffect">
+                                  <p:stCondLst>
+                                    <p:cond delay="0"/>
+                                  </p:stCondLst>
+                                  <p:childTnLst>
+                                    <p:set>
+                                      <p:cBhvr>
+                                        <p:cTn id="8" dur="1" fill="hold">
+                                          <p:stCondLst>
+                                            <p:cond delay="0"/>
+                                          </p:stCondLst>
+                                        </p:cTn>
+                                        <p:tgtEl>
+                                          <p:spTgt spid="12"/>
+                                        </p:tgtEl>
+                                        <p:attrNameLst>
+                                          <p:attrName>style.visibility</p:attrName>
+                                        </p:attrNameLst>
+                                      </p:cBhvr>
+                                      <p:to>
+                                        <p:strVal val="visible"/>
+                                      </p:to>
+                                    </p:set>
+                                  </p:childTnLst>
+                                </p:cTn>
+                              </p:par>
+                              <p:par>
+                                <p:cTn id="9" presetID="1" presetClass="exit" presetSubtype="0" fill="hold" nodeType="withEffect">
+                                  <p:stCondLst>
+                                    <p:cond delay="0"/>
+                                  </p:stCondLst>
+                                  <p:childTnLst>
+                                    <p:set>
+                                      <p:cBhvr>
+                                        <p:cTn id="10" dur="1" fill="hold">
+                                          <p:stCondLst>
+                                            <p:cond delay="0"/>
+                                          </p:stCondLst>
+                                        </p:cTn>
+                                        <p:tgtEl>
+                                          <p:spTgt spid="10">
+                                            <p:txEl>
+                                              <p:pRg st="0" end="0"/>
+                                            </p:txEl>
+                                          </p:spTgt>
+                                        </p:tgtEl>
+                                        <p:attrNameLst>
+                                          <p:attrName>style.visibility</p:attrName>
+                                        </p:attrNameLst>
+                                      </p:cBhvr>
+                                      <p:to>
+                                        <p:strVal val="hidden"/>
+                                      </p:to>
+                                    </p:set>
+                                  </p:childTnLst>
+                                </p:cTn>
+                              </p:par>
+                              <p:par>
+                                <p:cTn id="11" presetID="1" presetClass="exit" presetSubtype="0" fill="hold" nodeType="withEffect">
+                                  <p:stCondLst>
+                                    <p:cond delay="0"/>
+                                  </p:stCondLst>
+                                  <p:childTnLst>
+                                    <p:set>
+                                      <p:cBhvr>
+                                        <p:cTn id="12" dur="1" fill="hold">
+                                          <p:stCondLst>
+                                            <p:cond delay="0"/>
+                                          </p:stCondLst>
+                                        </p:cTn>
+                                        <p:tgtEl>
+                                          <p:spTgt spid="10">
+                                            <p:txEl>
+                                              <p:pRg st="1" end="1"/>
+                                            </p:txEl>
+                                          </p:spTgt>
+                                        </p:tgtEl>
+                                        <p:attrNameLst>
+                                          <p:attrName>style.visibility</p:attrName>
+                                        </p:attrNameLst>
+                                      </p:cBhvr>
+                                      <p:to>
+                                        <p:strVal val="hidden"/>
+                                      </p:to>
+                                    </p:set>
+                                  </p:childTnLst>
+                                </p:cTn>
+                              </p:par>
+                              <p:par>
+                                <p:cTn id="13" presetID="1" presetClass="entr" presetSubtype="0" fill="hold" nodeType="withEffect">
+                                  <p:stCondLst>
+                                    <p:cond delay="0"/>
+                                  </p:stCondLst>
+                                  <p:childTnLst>
+                                    <p:set>
+                                      <p:cBhvr>
+                                        <p:cTn id="14" dur="1" fill="hold">
+                                          <p:stCondLst>
+                                            <p:cond delay="0"/>
+                                          </p:stCondLst>
+                                        </p:cTn>
+                                        <p:tgtEl>
+                                          <p:spTgt spid="10">
+                                            <p:txEl>
+                                              <p:pRg st="2" end="2"/>
+                                            </p:txEl>
+                                          </p:spTgt>
+                                        </p:tgtEl>
+                                        <p:attrNameLst>
+                                          <p:attrName>style.visibility</p:attrName>
+                                        </p:attrNameLst>
+                                      </p:cBhvr>
+                                      <p:to>
+                                        <p:strVal val="visible"/>
+                                      </p:to>
+                                    </p:set>
+                                  </p:childTnLst>
+                                </p:cTn>
+                              </p:par>
+                            </p:childTnLst>
+                          </p:cTn>
+                        </p:par>
+                      </p:childTnLst>
+                    </p:cTn>
+                  </p:par>
+                </p:childTnLst>
+              </p:cTn>
+              <p:prevCondLst>
+                <p:cond evt="onPrev" delay="0">
+                  <p:tgtEl>
+                    <p:sldTgt/>
+                  </p:tgtEl>
+                </p:cond>
+              </p:prevCondLst>
+              <p:nextCondLst>
+                <p:cond evt="onNext" delay="0">
+                  <p:tgtEl>
+                    <p:sldTgt/>
+                  </p:tgtEl>
+                </p:cond>
+              </p:nextCondLst>
+            </p:seq>
+          </p:childTnLst>
+        </p:cTn>
+      </p:par>
+    </p:tnLst>
+  </p:timing>
+</p:sld>
+</file>
+
+<file path=ppt/slides/slide12.xml><?xml version="1.0" encoding="utf-8"?>
+<p:sld xmlns:a="http://schemas.openxmlformats.org/drawingml/2006/main" xmlns:r="http://schemas.openxmlformats.org/officeDocument/2006/relationships" xmlns:p="http://schemas.openxmlformats.org/presentationml/2006/main">
+  <p:cSld>
+    <p:spTree>
+      <p:nvGrpSpPr>
+        <p:cNvPr id="1" name=""/>
+        <p:cNvGrpSpPr/>
+        <p:nvPr/>
+      </p:nvGrpSpPr>
+      <p:grpSpPr>
+        <a:xfrm>
+          <a:off x="0" y="0"/>
+          <a:ext cx="0" cy="0"/>
+          <a:chOff x="0" y="0"/>
+          <a:chExt cx="0" cy="0"/>
+        </a:xfrm>
+      </p:grpSpPr>
+      <p:sp>
+        <p:nvSpPr>
+          <p:cNvPr id="2" name="Title 1"/>
+          <p:cNvSpPr>
+            <a:spLocks noGrp="1"/>
+          </p:cNvSpPr>
+          <p:nvPr>
+            <p:ph type="title"/>
+          </p:nvPr>
+        </p:nvSpPr>
+        <p:spPr>
+          <a:xfrm>
+            <a:off x="415925" y="1456765"/>
+            <a:ext cx="4646055" cy="1143000"/>
+          </a:xfrm>
+        </p:spPr>
+        <p:txBody>
+          <a:bodyPr/>
+          <a:lstStyle/>
+          <a:p>
+            <a:r>
+              <a:rPr lang="en-US" dirty="0" smtClean="0"/>
+              <a:t>Why not put all Filters in the same Bolt then?</a:t>
+            </a:r>
+            <a:endParaRPr lang="en-US" dirty="0"/>
+          </a:p>
+        </p:txBody>
+      </p:sp>
+      <p:sp>
+        <p:nvSpPr>
+          <p:cNvPr id="3" name="Content Placeholder 2"/>
+          <p:cNvSpPr>
+            <a:spLocks noGrp="1"/>
+          </p:cNvSpPr>
+          <p:nvPr>
+            <p:ph idx="1"/>
+          </p:nvPr>
+        </p:nvSpPr>
+        <p:spPr/>
+        <p:txBody>
+          <a:bodyPr>
+            <a:normAutofit fontScale="92500"/>
+          </a:bodyPr>
+          <a:lstStyle/>
+          <a:p>
+            <a:r>
+              <a:rPr lang="en-US" b="1" dirty="0" smtClean="0"/>
+              <a:t>En-bloc filtering</a:t>
+            </a:r>
+            <a:r>
+              <a:rPr lang="en-US" dirty="0" smtClean="0"/>
+              <a:t>: One bolt doing all filtering – one shuffle grouping to the spout</a:t>
+            </a:r>
+          </a:p>
+          <a:p>
+            <a:r>
+              <a:rPr lang="en-US" dirty="0" smtClean="0"/>
+              <a:t>Instead of 10 bolts emitting </a:t>
+            </a:r>
+            <a:r>
+              <a:rPr lang="en-US" b="1" i="1" dirty="0" smtClean="0"/>
+              <a:t>one stream each</a:t>
+            </a:r>
+            <a:r>
+              <a:rPr lang="en-US" dirty="0" smtClean="0"/>
+              <a:t>, one bolt emitting </a:t>
+            </a:r>
+            <a:r>
+              <a:rPr lang="en-US" b="1" i="1" dirty="0" smtClean="0"/>
+              <a:t>all 10 streams</a:t>
+            </a:r>
+          </a:p>
+          <a:p>
+            <a:r>
+              <a:rPr lang="en-US" dirty="0" smtClean="0"/>
+              <a:t>Join-Bolt subscribed to &lt;Filter-Bolt-7, stream “default”&gt; now subscribes to &lt;Universal-Filter-Bolt, stream “7”&gt;</a:t>
+            </a:r>
+          </a:p>
+          <a:p>
+            <a:r>
+              <a:rPr lang="en-US" dirty="0" smtClean="0"/>
+              <a:t>The Universal-Filter-Bolt internally iterates over the whole filter list</a:t>
+            </a:r>
+          </a:p>
+          <a:p>
+            <a:r>
+              <a:rPr lang="en-US" dirty="0" smtClean="0"/>
+              <a:t>Filter sharing can still happen internally</a:t>
+            </a:r>
+          </a:p>
+          <a:p>
+            <a:r>
+              <a:rPr lang="en-US" dirty="0" smtClean="0"/>
+              <a:t>The bolt’s can still run in parallel across the cluster</a:t>
+            </a:r>
+          </a:p>
+        </p:txBody>
+      </p:sp>
+    </p:spTree>
+    <p:extLst>
+      <p:ext uri="{BB962C8B-B14F-4D97-AF65-F5344CB8AC3E}">
+        <p14:creationId xmlns:p14="http://schemas.microsoft.com/office/powerpoint/2010/main" val="1525045096"/>
+      </p:ext>
+    </p:extLst>
+  </p:cSld>
+  <p:clrMapOvr>
+    <a:masterClrMapping/>
+  </p:clrMapOvr>
+  <p:timing>
+    <p:tnLst>
+      <p:par>
+        <p:cTn xmlns:p14="http://schemas.microsoft.com/office/powerpoint/2010/main" id="1" dur="indefinite" restart="never" nodeType="tmRoot"/>
+      </p:par>
+    </p:tnLst>
+  </p:timing>
+</p:sld>
+</file>
+
+<file path=ppt/slides/slide13.xml><?xml version="1.0" encoding="utf-8"?>
+<p:sld xmlns:a="http://schemas.openxmlformats.org/drawingml/2006/main" xmlns:r="http://schemas.openxmlformats.org/officeDocument/2006/relationships" xmlns:p="http://schemas.openxmlformats.org/presentationml/2006/main">
+  <p:cSld>
+    <p:spTree>
+      <p:nvGrpSpPr>
+        <p:cNvPr id="1" name=""/>
+        <p:cNvGrpSpPr/>
+        <p:nvPr/>
+      </p:nvGrpSpPr>
+      <p:grpSpPr>
+        <a:xfrm>
+          <a:off x="0" y="0"/>
+          <a:ext cx="0" cy="0"/>
+          <a:chOff x="0" y="0"/>
+          <a:chExt cx="0" cy="0"/>
+        </a:xfrm>
+      </p:grpSpPr>
+      <p:sp>
+        <p:nvSpPr>
+          <p:cNvPr id="2" name="Title 1"/>
+          <p:cNvSpPr>
+            <a:spLocks noGrp="1"/>
+          </p:cNvSpPr>
+          <p:nvPr>
+            <p:ph type="title"/>
+          </p:nvPr>
+        </p:nvSpPr>
+        <p:spPr>
+          <a:xfrm>
+            <a:off x="415926" y="1456765"/>
+            <a:ext cx="3439950" cy="1143000"/>
+          </a:xfrm>
+        </p:spPr>
+        <p:txBody>
+          <a:bodyPr/>
+          <a:lstStyle/>
+          <a:p>
+            <a:r>
+              <a:rPr lang="en-US" dirty="0" smtClean="0"/>
+              <a:t>Can we do the same with Joins?</a:t>
+            </a:r>
+            <a:endParaRPr lang="en-US" dirty="0"/>
+          </a:p>
+        </p:txBody>
+      </p:sp>
+      <p:sp>
+        <p:nvSpPr>
+          <p:cNvPr id="3" name="Content Placeholder 2"/>
+          <p:cNvSpPr>
+            <a:spLocks noGrp="1"/>
+          </p:cNvSpPr>
+          <p:nvPr>
+            <p:ph idx="1"/>
+          </p:nvPr>
+        </p:nvSpPr>
+        <p:spPr>
+          <a:xfrm>
+            <a:off x="415925" y="4303238"/>
+            <a:ext cx="8308975" cy="1945161"/>
+          </a:xfrm>
+        </p:spPr>
+        <p:txBody>
+          <a:bodyPr>
+            <a:normAutofit fontScale="85000" lnSpcReduction="20000"/>
+          </a:bodyPr>
+          <a:lstStyle/>
+          <a:p>
+            <a:r>
+              <a:rPr lang="en-US" dirty="0" smtClean="0"/>
+              <a:t>To some extend, yes.</a:t>
+            </a:r>
+          </a:p>
+          <a:p>
+            <a:r>
+              <a:rPr lang="en-US" dirty="0" smtClean="0"/>
+              <a:t>Fields grouping is what limits us</a:t>
+            </a:r>
+          </a:p>
+          <a:p>
+            <a:r>
+              <a:rPr lang="en-US" dirty="0" smtClean="0"/>
+              <a:t>Or rather, the need to parallelise Join-Bolts without missing joins</a:t>
+            </a:r>
+          </a:p>
+          <a:p>
+            <a:r>
+              <a:rPr lang="en-US" b="1" dirty="0" smtClean="0"/>
+              <a:t>Join clustering</a:t>
+            </a:r>
+            <a:r>
+              <a:rPr lang="en-US" dirty="0" smtClean="0"/>
+              <a:t>: “If two joins in a cluster have a variable in common, all joins in the cluster should have that variable in common”</a:t>
+            </a:r>
+          </a:p>
+          <a:p>
+            <a:endParaRPr lang="en-US" dirty="0"/>
+          </a:p>
+        </p:txBody>
+      </p:sp>
+      <p:pic>
+        <p:nvPicPr>
+          <p:cNvPr id="4" name="Picture 3"/>
+          <p:cNvPicPr>
+            <a:picLocks noChangeAspect="1"/>
+          </p:cNvPicPr>
+          <p:nvPr/>
+        </p:nvPicPr>
+        <p:blipFill>
+          <a:blip r:embed="rId2"/>
+          <a:stretch>
+            <a:fillRect/>
+          </a:stretch>
+        </p:blipFill>
+        <p:spPr>
+          <a:xfrm>
+            <a:off x="3737084" y="1456765"/>
+            <a:ext cx="5105400" cy="3213100"/>
+          </a:xfrm>
+          <a:prstGeom prst="rect">
+            <a:avLst/>
+          </a:prstGeom>
+        </p:spPr>
+      </p:pic>
+    </p:spTree>
+    <p:extLst>
+      <p:ext uri="{BB962C8B-B14F-4D97-AF65-F5344CB8AC3E}">
+        <p14:creationId xmlns:p14="http://schemas.microsoft.com/office/powerpoint/2010/main" val="1184297434"/>
+      </p:ext>
+    </p:extLst>
+  </p:cSld>
+  <p:clrMapOvr>
+    <a:masterClrMapping/>
+  </p:clrMapOvr>
+  <p:timing>
+    <p:tnLst>
+      <p:par>
+        <p:cTn xmlns:p14="http://schemas.microsoft.com/office/powerpoint/2010/main" id="1" dur="indefinite" restart="never" nodeType="tmRoot"/>
+      </p:par>
+    </p:tnLst>
+  </p:timing>
+</p:sld>
+</file>
+
+<file path=ppt/slides/slide14.xml><?xml version="1.0" encoding="utf-8"?>
+<p:sld xmlns:a="http://schemas.openxmlformats.org/drawingml/2006/main" xmlns:r="http://schemas.openxmlformats.org/officeDocument/2006/relationships" xmlns:p="http://schemas.openxmlformats.org/presentationml/2006/main">
+  <p:cSld>
+    <p:spTree>
+      <p:nvGrpSpPr>
+        <p:cNvPr id="1" name=""/>
+        <p:cNvGrpSpPr/>
+        <p:nvPr/>
+      </p:nvGrpSpPr>
+      <p:grpSpPr>
+        <a:xfrm>
+          <a:off x="0" y="0"/>
+          <a:ext cx="0" cy="0"/>
+          <a:chOff x="0" y="0"/>
+          <a:chExt cx="0" cy="0"/>
+        </a:xfrm>
+      </p:grpSpPr>
+      <p:sp>
+        <p:nvSpPr>
+          <p:cNvPr id="2" name="Title 1"/>
+          <p:cNvSpPr>
+            <a:spLocks noGrp="1"/>
+          </p:cNvSpPr>
+          <p:nvPr>
+            <p:ph type="title"/>
+          </p:nvPr>
+        </p:nvSpPr>
+        <p:spPr>
+          <a:xfrm>
+            <a:off x="415925" y="1456765"/>
+            <a:ext cx="6007489" cy="1143000"/>
+          </a:xfrm>
+        </p:spPr>
+        <p:txBody>
+          <a:bodyPr/>
+          <a:lstStyle/>
+          <a:p>
+            <a:r>
+              <a:rPr lang="en-US" dirty="0" smtClean="0"/>
+              <a:t>The delivered Topology Builder</a:t>
+            </a:r>
+            <a:endParaRPr lang="en-US" dirty="0"/>
+          </a:p>
+        </p:txBody>
+      </p:sp>
+      <p:sp>
+        <p:nvSpPr>
+          <p:cNvPr id="3" name="Content Placeholder 2"/>
+          <p:cNvSpPr>
+            <a:spLocks noGrp="1"/>
+          </p:cNvSpPr>
+          <p:nvPr>
+            <p:ph idx="1"/>
+          </p:nvPr>
+        </p:nvSpPr>
+        <p:spPr/>
+        <p:txBody>
+          <a:bodyPr>
+            <a:normAutofit fontScale="77500" lnSpcReduction="20000"/>
+          </a:bodyPr>
+          <a:lstStyle/>
+          <a:p>
+            <a:r>
+              <a:rPr lang="en-US" dirty="0" smtClean="0"/>
+              <a:t>Takes a list of filters as input and creates Storm Topologies</a:t>
+            </a:r>
+          </a:p>
+          <a:p>
+            <a:r>
+              <a:rPr lang="en-US" dirty="0" smtClean="0"/>
+              <a:t>The “shape” of the Topology depends on whether various optimisations are turned on or off</a:t>
+            </a:r>
+          </a:p>
+          <a:p>
+            <a:r>
+              <a:rPr lang="en-US" dirty="0" smtClean="0"/>
+              <a:t>Optimisations: </a:t>
+            </a:r>
+            <a:r>
+              <a:rPr lang="en-US" b="1" i="1" dirty="0" smtClean="0"/>
+              <a:t>Equivalent-filter-sharing</a:t>
+            </a:r>
+            <a:r>
+              <a:rPr lang="en-US" dirty="0" smtClean="0"/>
+              <a:t>, </a:t>
+            </a:r>
+            <a:r>
+              <a:rPr lang="en-US" b="1" i="1" dirty="0" smtClean="0"/>
+              <a:t>En-bloc-filtering</a:t>
+            </a:r>
+            <a:r>
+              <a:rPr lang="en-US" dirty="0" smtClean="0"/>
+              <a:t>, </a:t>
+            </a:r>
+            <a:r>
+              <a:rPr lang="en-US" b="1" i="1" dirty="0" smtClean="0"/>
+              <a:t>Join-clustering</a:t>
+            </a:r>
+          </a:p>
+          <a:p>
+            <a:r>
+              <a:rPr lang="en-US" dirty="0" smtClean="0"/>
+              <a:t>Shows that En-bloc filtering is superior to </a:t>
+            </a:r>
+            <a:r>
+              <a:rPr lang="en-US" i="1" dirty="0" smtClean="0"/>
+              <a:t>external</a:t>
+            </a:r>
+            <a:r>
+              <a:rPr lang="en-US" dirty="0" smtClean="0"/>
+              <a:t> equivalent filter sharing</a:t>
+            </a:r>
+          </a:p>
+          <a:p>
+            <a:r>
+              <a:rPr lang="en-US" dirty="0" smtClean="0"/>
+              <a:t>Show that Join-clustering is beneficial and that it doesn’t break when parallelism is more than 1</a:t>
+            </a:r>
+          </a:p>
+          <a:p>
+            <a:r>
+              <a:rPr lang="en-US" dirty="0"/>
+              <a:t>Not meant to be a fully working DSMS </a:t>
+            </a:r>
+            <a:r>
+              <a:rPr lang="en-US" dirty="0" smtClean="0"/>
+              <a:t>system (just a program for experimentation)</a:t>
+            </a:r>
+            <a:endParaRPr lang="en-US" dirty="0"/>
+          </a:p>
+          <a:p>
+            <a:r>
+              <a:rPr lang="en-US" dirty="0" smtClean="0"/>
+              <a:t>I’ve also submitted the various scripts that can be used to run the Topologies and measure their throughput in local mode</a:t>
+            </a:r>
+          </a:p>
+          <a:p>
+            <a:endParaRPr lang="en-US" dirty="0"/>
+          </a:p>
+        </p:txBody>
+      </p:sp>
+      <p:pic>
+        <p:nvPicPr>
+          <p:cNvPr id="4" name="Picture 3" descr="builder.gif"/>
+          <p:cNvPicPr>
+            <a:picLocks noChangeAspect="1"/>
+          </p:cNvPicPr>
+          <p:nvPr/>
+        </p:nvPicPr>
+        <p:blipFill>
+          <a:blip r:embed="rId2">
+            <a:extLst>
+              <a:ext uri="{28A0092B-C50C-407E-A947-70E740481C1C}">
+                <a14:useLocalDpi xmlns:a14="http://schemas.microsoft.com/office/drawing/2010/main" val="0"/>
+              </a:ext>
+            </a:extLst>
+          </a:blip>
+          <a:stretch>
+            <a:fillRect/>
+          </a:stretch>
+        </p:blipFill>
+        <p:spPr>
+          <a:xfrm>
+            <a:off x="6851931" y="1425275"/>
+            <a:ext cx="1643924" cy="1127508"/>
+          </a:xfrm>
+          <a:prstGeom prst="rect">
+            <a:avLst/>
+          </a:prstGeom>
+        </p:spPr>
+      </p:pic>
+    </p:spTree>
+    <p:extLst>
+      <p:ext uri="{BB962C8B-B14F-4D97-AF65-F5344CB8AC3E}">
+        <p14:creationId xmlns:p14="http://schemas.microsoft.com/office/powerpoint/2010/main" val="2873361326"/>
+      </p:ext>
+    </p:extLst>
+  </p:cSld>
+  <p:clrMapOvr>
+    <a:masterClrMapping/>
+  </p:clrMapOvr>
+  <p:timing>
+    <p:tnLst>
+      <p:par>
+        <p:cTn xmlns:p14="http://schemas.microsoft.com/office/powerpoint/2010/main" id="1" dur="indefinite" restart="never" nodeType="tmRoot"/>
+      </p:par>
+    </p:tnLst>
+  </p:timing>
+</p:sld>
+</file>
+
 <file path=ppt/slides/slide2.xml><?xml version="1.0" encoding="utf-8"?>
 <p:sld xmlns:a="http://schemas.openxmlformats.org/drawingml/2006/main" xmlns:r="http://schemas.openxmlformats.org/officeDocument/2006/relationships" xmlns:p="http://schemas.openxmlformats.org/presentationml/2006/main">
   <p:cSld>
@@ -6145,7 +7102,9 @@
           </a:xfrm>
         </p:spPr>
         <p:txBody>
-          <a:bodyPr/>
+          <a:bodyPr>
+            <a:normAutofit lnSpcReduction="10000"/>
+          </a:bodyPr>
           <a:lstStyle/>
           <a:p>
             <a:r>
@@ -6169,7 +7128,41 @@
             <a:endParaRPr lang="en-US" b="1" i="1" dirty="0"/>
           </a:p>
           <a:p>
-            <a:endParaRPr lang="en-US" dirty="0"/>
+            <a:r>
+              <a:rPr lang="en-US" b="1" i="1" dirty="0" smtClean="0"/>
+              <a:t>Stream groupings </a:t>
+            </a:r>
+            <a:r>
+              <a:rPr lang="en-US" dirty="0" smtClean="0"/>
+              <a:t>define which instance processes each tuple</a:t>
+            </a:r>
+          </a:p>
+          <a:p>
+            <a:r>
+              <a:rPr lang="en-US" b="1" i="1" dirty="0" smtClean="0"/>
+              <a:t>Shuffle grouping </a:t>
+            </a:r>
+            <a:r>
+              <a:rPr lang="en-US" dirty="0" smtClean="0"/>
+              <a:t> for Filters, </a:t>
+            </a:r>
+            <a:r>
+              <a:rPr lang="en-US" b="1" i="1" dirty="0" smtClean="0"/>
+              <a:t>Fields grouping </a:t>
+            </a:r>
+            <a:r>
+              <a:rPr lang="en-US" dirty="0" smtClean="0"/>
+              <a:t>for Joins, </a:t>
+            </a:r>
+            <a:r>
+              <a:rPr lang="en-US" b="1" i="1" dirty="0" smtClean="0"/>
+              <a:t>All grouping </a:t>
+            </a:r>
+            <a:r>
+              <a:rPr lang="en-US" dirty="0" smtClean="0"/>
+              <a:t>for cross-products</a:t>
+            </a:r>
+            <a:endParaRPr lang="en-US" b="1" i="1" dirty="0"/>
           </a:p>
         </p:txBody>
       </p:sp>
@@ -6217,6 +7210,650 @@
     <p:tnLst>
       <p:par>
         <p:cTn xmlns:p14="http://schemas.microsoft.com/office/powerpoint/2010/main" id="1" dur="indefinite" restart="never" nodeType="tmRoot"/>
+      </p:par>
+    </p:tnLst>
+  </p:timing>
+</p:sld>
+</file>
+
+<file path=ppt/slides/slide7.xml><?xml version="1.0" encoding="utf-8"?>
+<p:sld xmlns:a="http://schemas.openxmlformats.org/drawingml/2006/main" xmlns:r="http://schemas.openxmlformats.org/officeDocument/2006/relationships" xmlns:p="http://schemas.openxmlformats.org/presentationml/2006/main">
+  <p:cSld>
+    <p:spTree>
+      <p:nvGrpSpPr>
+        <p:cNvPr id="1" name=""/>
+        <p:cNvGrpSpPr/>
+        <p:nvPr/>
+      </p:nvGrpSpPr>
+      <p:grpSpPr>
+        <a:xfrm>
+          <a:off x="0" y="0"/>
+          <a:ext cx="0" cy="0"/>
+          <a:chOff x="0" y="0"/>
+          <a:chExt cx="0" cy="0"/>
+        </a:xfrm>
+      </p:grpSpPr>
+      <p:sp>
+        <p:nvSpPr>
+          <p:cNvPr id="2" name="Title 1"/>
+          <p:cNvSpPr>
+            <a:spLocks noGrp="1"/>
+          </p:cNvSpPr>
+          <p:nvPr>
+            <p:ph type="title"/>
+          </p:nvPr>
+        </p:nvSpPr>
+        <p:spPr/>
+        <p:txBody>
+          <a:bodyPr/>
+          <a:lstStyle/>
+          <a:p>
+            <a:r>
+              <a:rPr lang="en-US" dirty="0" smtClean="0"/>
+              <a:t> RETE on Storm</a:t>
+            </a:r>
+            <a:endParaRPr lang="en-US" dirty="0"/>
+          </a:p>
+        </p:txBody>
+      </p:sp>
+      <p:sp>
+        <p:nvSpPr>
+          <p:cNvPr id="3" name="Content Placeholder 2"/>
+          <p:cNvSpPr>
+            <a:spLocks noGrp="1"/>
+          </p:cNvSpPr>
+          <p:nvPr>
+            <p:ph idx="1"/>
+          </p:nvPr>
+        </p:nvSpPr>
+        <p:spPr>
+          <a:xfrm>
+            <a:off x="415925" y="3191905"/>
+            <a:ext cx="8308975" cy="3056494"/>
+          </a:xfrm>
+        </p:spPr>
+        <p:txBody>
+          <a:bodyPr>
+            <a:normAutofit/>
+          </a:bodyPr>
+          <a:lstStyle/>
+          <a:p>
+            <a:r>
+              <a:rPr lang="en-US" dirty="0" smtClean="0"/>
+              <a:t>TrendMiner (Sina et al, 2012)</a:t>
+            </a:r>
+          </a:p>
+          <a:p>
+            <a:r>
+              <a:rPr lang="en-US" dirty="0" smtClean="0"/>
+              <a:t>Single Spout, </a:t>
+            </a:r>
+            <a:r>
+              <a:rPr lang="en-US" dirty="0"/>
+              <a:t>o</a:t>
+            </a:r>
+            <a:r>
+              <a:rPr lang="en-US" dirty="0" smtClean="0"/>
+              <a:t>ne Bolt per Rete operator </a:t>
+            </a:r>
+          </a:p>
+          <a:p>
+            <a:r>
+              <a:rPr lang="en-US" dirty="0"/>
+              <a:t>H</a:t>
+            </a:r>
+            <a:r>
+              <a:rPr lang="en-US" dirty="0" smtClean="0"/>
+              <a:t>eavy message replication from Spout to Filter-Bolts</a:t>
+            </a:r>
+          </a:p>
+          <a:p>
+            <a:r>
+              <a:rPr lang="en-US" dirty="0" smtClean="0"/>
+              <a:t>Inter-query node sharing when queries have common filters</a:t>
+            </a:r>
+          </a:p>
+          <a:p>
+            <a:r>
+              <a:rPr lang="en-US" dirty="0" smtClean="0"/>
+              <a:t>Also Join-Bolt reordering to make cross-products smaller</a:t>
+            </a:r>
+          </a:p>
+          <a:p>
+            <a:endParaRPr lang="en-US" dirty="0"/>
+          </a:p>
+        </p:txBody>
+      </p:sp>
+      <p:pic>
+        <p:nvPicPr>
+          <p:cNvPr id="5" name="Picture 4" descr="TrendMiner.png"/>
+          <p:cNvPicPr>
+            <a:picLocks noChangeAspect="1"/>
+          </p:cNvPicPr>
+          <p:nvPr/>
+        </p:nvPicPr>
+        <p:blipFill>
+          <a:blip r:embed="rId2">
+            <a:extLst>
+              <a:ext uri="{28A0092B-C50C-407E-A947-70E740481C1C}">
+                <a14:useLocalDpi xmlns:a14="http://schemas.microsoft.com/office/drawing/2010/main" val="0"/>
+              </a:ext>
+            </a:extLst>
+          </a:blip>
+          <a:stretch>
+            <a:fillRect/>
+          </a:stretch>
+        </p:blipFill>
+        <p:spPr>
+          <a:xfrm>
+            <a:off x="4879028" y="1617105"/>
+            <a:ext cx="3570980" cy="1396850"/>
+          </a:xfrm>
+          <a:prstGeom prst="rect">
+            <a:avLst/>
+          </a:prstGeom>
+        </p:spPr>
+      </p:pic>
+    </p:spTree>
+    <p:extLst>
+      <p:ext uri="{BB962C8B-B14F-4D97-AF65-F5344CB8AC3E}">
+        <p14:creationId xmlns:p14="http://schemas.microsoft.com/office/powerpoint/2010/main" val="2839247023"/>
+      </p:ext>
+    </p:extLst>
+  </p:cSld>
+  <p:clrMapOvr>
+    <a:masterClrMapping/>
+  </p:clrMapOvr>
+  <p:timing>
+    <p:tnLst>
+      <p:par>
+        <p:cTn xmlns:p14="http://schemas.microsoft.com/office/powerpoint/2010/main" id="1" dur="indefinite" restart="never" nodeType="tmRoot"/>
+      </p:par>
+    </p:tnLst>
+  </p:timing>
+</p:sld>
+</file>
+
+<file path=ppt/slides/slide8.xml><?xml version="1.0" encoding="utf-8"?>
+<p:sld xmlns:a="http://schemas.openxmlformats.org/drawingml/2006/main" xmlns:r="http://schemas.openxmlformats.org/officeDocument/2006/relationships" xmlns:p="http://schemas.openxmlformats.org/presentationml/2006/main">
+  <p:cSld>
+    <p:spTree>
+      <p:nvGrpSpPr>
+        <p:cNvPr id="1" name=""/>
+        <p:cNvGrpSpPr/>
+        <p:nvPr/>
+      </p:nvGrpSpPr>
+      <p:grpSpPr>
+        <a:xfrm>
+          <a:off x="0" y="0"/>
+          <a:ext cx="0" cy="0"/>
+          <a:chOff x="0" y="0"/>
+          <a:chExt cx="0" cy="0"/>
+        </a:xfrm>
+      </p:grpSpPr>
+      <p:sp>
+        <p:nvSpPr>
+          <p:cNvPr id="2" name="Title 1"/>
+          <p:cNvSpPr>
+            <a:spLocks noGrp="1"/>
+          </p:cNvSpPr>
+          <p:nvPr>
+            <p:ph type="title"/>
+          </p:nvPr>
+        </p:nvSpPr>
+        <p:spPr>
+          <a:xfrm>
+            <a:off x="415925" y="1456765"/>
+            <a:ext cx="5181590" cy="1143000"/>
+          </a:xfrm>
+        </p:spPr>
+        <p:txBody>
+          <a:bodyPr/>
+          <a:lstStyle/>
+          <a:p>
+            <a:r>
+              <a:rPr lang="en-US" dirty="0" smtClean="0"/>
+              <a:t>Is node-sharing beneficial on Storm?</a:t>
+            </a:r>
+            <a:endParaRPr lang="en-US" dirty="0"/>
+          </a:p>
+        </p:txBody>
+      </p:sp>
+      <p:sp>
+        <p:nvSpPr>
+          <p:cNvPr id="3" name="Content Placeholder 2"/>
+          <p:cNvSpPr>
+            <a:spLocks noGrp="1"/>
+          </p:cNvSpPr>
+          <p:nvPr>
+            <p:ph idx="1"/>
+          </p:nvPr>
+        </p:nvSpPr>
+        <p:spPr>
+          <a:xfrm>
+            <a:off x="415925" y="3492714"/>
+            <a:ext cx="8308975" cy="2755686"/>
+          </a:xfrm>
+        </p:spPr>
+        <p:txBody>
+          <a:bodyPr>
+            <a:normAutofit fontScale="92500" lnSpcReduction="10000"/>
+          </a:bodyPr>
+          <a:lstStyle/>
+          <a:p>
+            <a:r>
+              <a:rPr lang="en-US" dirty="0" smtClean="0"/>
+              <a:t>In-process cluster simulator - Storm’s “local mode”</a:t>
+            </a:r>
+          </a:p>
+          <a:p>
+            <a:r>
+              <a:rPr lang="en-US" dirty="0"/>
+              <a:t>Set debug mode </a:t>
+            </a:r>
+            <a:r>
+              <a:rPr lang="en-US" dirty="0" smtClean="0"/>
+              <a:t>“on” </a:t>
+            </a:r>
+            <a:r>
+              <a:rPr lang="en-US" dirty="0"/>
+              <a:t>to see tuples being </a:t>
+            </a:r>
+            <a:r>
+              <a:rPr lang="en-US" dirty="0" smtClean="0"/>
+              <a:t>emitted</a:t>
+            </a:r>
+          </a:p>
+          <a:p>
+            <a:r>
+              <a:rPr lang="en-US" b="1" i="1" dirty="0" smtClean="0"/>
+              <a:t>Kestrel</a:t>
+            </a:r>
+            <a:r>
+              <a:rPr lang="en-US" dirty="0" smtClean="0"/>
+              <a:t> server for I/O queues</a:t>
+            </a:r>
+          </a:p>
+          <a:p>
+            <a:r>
+              <a:rPr lang="en-US" b="1" i="1" dirty="0" smtClean="0"/>
+              <a:t>Maven</a:t>
+            </a:r>
+            <a:r>
+              <a:rPr lang="en-US" dirty="0" smtClean="0"/>
+              <a:t> to build the project</a:t>
+            </a:r>
+          </a:p>
+          <a:p>
+            <a:r>
+              <a:rPr lang="en-US" dirty="0" smtClean="0"/>
+              <a:t>Used </a:t>
+            </a:r>
+            <a:r>
+              <a:rPr lang="en-US" b="1" i="1" dirty="0" smtClean="0"/>
+              <a:t>Python</a:t>
+            </a:r>
+            <a:r>
+              <a:rPr lang="en-US" dirty="0" smtClean="0"/>
+              <a:t>, </a:t>
+            </a:r>
+            <a:r>
+              <a:rPr lang="en-US" b="1" i="1" dirty="0" smtClean="0"/>
+              <a:t>Perl</a:t>
+            </a:r>
+            <a:r>
+              <a:rPr lang="en-US" dirty="0" smtClean="0"/>
+              <a:t> and </a:t>
+            </a:r>
+            <a:r>
+              <a:rPr lang="en-US" b="1" i="1" dirty="0" smtClean="0"/>
+              <a:t>Bash</a:t>
+            </a:r>
+            <a:r>
+              <a:rPr lang="en-US" dirty="0" smtClean="0"/>
+              <a:t> </a:t>
+            </a:r>
+            <a:r>
+              <a:rPr lang="en-US" b="1" i="1" dirty="0" smtClean="0"/>
+              <a:t>scripting</a:t>
+            </a:r>
+            <a:r>
+              <a:rPr lang="en-US" dirty="0" smtClean="0"/>
+              <a:t> to run Topologies and </a:t>
+            </a:r>
+            <a:r>
+              <a:rPr lang="en-US" b="1" i="1" dirty="0" smtClean="0">
+                <a:solidFill>
+                  <a:schemeClr val="tx1"/>
+                </a:solidFill>
+              </a:rPr>
+              <a:t>measure throughput</a:t>
+            </a:r>
+            <a:endParaRPr lang="en-US" b="1" i="1" dirty="0">
+              <a:solidFill>
+                <a:schemeClr val="tx1"/>
+              </a:solidFill>
+            </a:endParaRPr>
+          </a:p>
+        </p:txBody>
+      </p:sp>
+      <p:pic>
+        <p:nvPicPr>
+          <p:cNvPr id="7" name="Picture 6" descr="black-desktop-computer.jpg"/>
+          <p:cNvPicPr>
+            <a:picLocks noChangeAspect="1"/>
+          </p:cNvPicPr>
+          <p:nvPr/>
+        </p:nvPicPr>
+        <p:blipFill>
+          <a:blip r:embed="rId2">
+            <a:extLst>
+              <a:ext uri="{28A0092B-C50C-407E-A947-70E740481C1C}">
+                <a14:useLocalDpi xmlns:a14="http://schemas.microsoft.com/office/drawing/2010/main" val="0"/>
+              </a:ext>
+            </a:extLst>
+          </a:blip>
+          <a:stretch>
+            <a:fillRect/>
+          </a:stretch>
+        </p:blipFill>
+        <p:spPr>
+          <a:xfrm>
+            <a:off x="5597515" y="1456765"/>
+            <a:ext cx="2861415" cy="2043050"/>
+          </a:xfrm>
+          <a:prstGeom prst="rect">
+            <a:avLst/>
+          </a:prstGeom>
+        </p:spPr>
+      </p:pic>
+    </p:spTree>
+    <p:extLst>
+      <p:ext uri="{BB962C8B-B14F-4D97-AF65-F5344CB8AC3E}">
+        <p14:creationId xmlns:p14="http://schemas.microsoft.com/office/powerpoint/2010/main" val="330547543"/>
+      </p:ext>
+    </p:extLst>
+  </p:cSld>
+  <p:clrMapOvr>
+    <a:masterClrMapping/>
+  </p:clrMapOvr>
+  <p:timing>
+    <p:tnLst>
+      <p:par>
+        <p:cTn xmlns:p14="http://schemas.microsoft.com/office/powerpoint/2010/main" id="1" dur="indefinite" restart="never" nodeType="tmRoot"/>
+      </p:par>
+    </p:tnLst>
+  </p:timing>
+</p:sld>
+</file>
+
+<file path=ppt/slides/slide9.xml><?xml version="1.0" encoding="utf-8"?>
+<p:sld xmlns:a="http://schemas.openxmlformats.org/drawingml/2006/main" xmlns:r="http://schemas.openxmlformats.org/officeDocument/2006/relationships" xmlns:p="http://schemas.openxmlformats.org/presentationml/2006/main">
+  <p:cSld>
+    <p:spTree>
+      <p:nvGrpSpPr>
+        <p:cNvPr id="1" name=""/>
+        <p:cNvGrpSpPr/>
+        <p:nvPr/>
+      </p:nvGrpSpPr>
+      <p:grpSpPr>
+        <a:xfrm>
+          <a:off x="0" y="0"/>
+          <a:ext cx="0" cy="0"/>
+          <a:chOff x="0" y="0"/>
+          <a:chExt cx="0" cy="0"/>
+        </a:xfrm>
+      </p:grpSpPr>
+      <p:sp>
+        <p:nvSpPr>
+          <p:cNvPr id="2" name="Title 1"/>
+          <p:cNvSpPr>
+            <a:spLocks noGrp="1"/>
+          </p:cNvSpPr>
+          <p:nvPr>
+            <p:ph type="title"/>
+          </p:nvPr>
+        </p:nvSpPr>
+        <p:spPr/>
+        <p:txBody>
+          <a:bodyPr/>
+          <a:lstStyle/>
+          <a:p>
+            <a:r>
+              <a:rPr lang="en-US" dirty="0" smtClean="0"/>
+              <a:t>First experiment</a:t>
+            </a:r>
+            <a:endParaRPr lang="en-US" dirty="0"/>
+          </a:p>
+        </p:txBody>
+      </p:sp>
+      <p:sp>
+        <p:nvSpPr>
+          <p:cNvPr id="3" name="Content Placeholder 2"/>
+          <p:cNvSpPr>
+            <a:spLocks noGrp="1"/>
+          </p:cNvSpPr>
+          <p:nvPr>
+            <p:ph idx="1"/>
+          </p:nvPr>
+        </p:nvSpPr>
+        <p:spPr>
+          <a:xfrm>
+            <a:off x="415925" y="4411848"/>
+            <a:ext cx="8308975" cy="1836551"/>
+          </a:xfrm>
+        </p:spPr>
+        <p:txBody>
+          <a:bodyPr/>
+          <a:lstStyle/>
+          <a:p>
+            <a:r>
+              <a:rPr lang="en-US" dirty="0" smtClean="0"/>
+              <a:t>Confirm that simulation is realistic </a:t>
+            </a:r>
+          </a:p>
+          <a:p>
+            <a:r>
+              <a:rPr lang="en-US" dirty="0" smtClean="0"/>
+              <a:t>Do messages cost more than simple string comparisons?</a:t>
+            </a:r>
+          </a:p>
+          <a:p>
+            <a:r>
+              <a:rPr lang="en-US" dirty="0" smtClean="0"/>
+              <a:t>Yes.</a:t>
+            </a:r>
+          </a:p>
+        </p:txBody>
+      </p:sp>
+      <p:pic>
+        <p:nvPicPr>
+          <p:cNvPr id="4" name="Picture 3"/>
+          <p:cNvPicPr>
+            <a:picLocks noChangeAspect="1"/>
+          </p:cNvPicPr>
+          <p:nvPr/>
+        </p:nvPicPr>
+        <p:blipFill>
+          <a:blip r:embed="rId2"/>
+          <a:stretch>
+            <a:fillRect/>
+          </a:stretch>
+        </p:blipFill>
+        <p:spPr>
+          <a:xfrm>
+            <a:off x="4645102" y="1447800"/>
+            <a:ext cx="3663274" cy="2712567"/>
+          </a:xfrm>
+          <a:prstGeom prst="rect">
+            <a:avLst/>
+          </a:prstGeom>
+        </p:spPr>
+      </p:pic>
+      <p:pic>
+        <p:nvPicPr>
+          <p:cNvPr id="5" name="Picture 4"/>
+          <p:cNvPicPr>
+            <a:picLocks noChangeAspect="1"/>
+          </p:cNvPicPr>
+          <p:nvPr/>
+        </p:nvPicPr>
+        <p:blipFill>
+          <a:blip r:embed="rId3"/>
+          <a:stretch>
+            <a:fillRect/>
+          </a:stretch>
+        </p:blipFill>
+        <p:spPr>
+          <a:xfrm>
+            <a:off x="4009151" y="1447801"/>
+            <a:ext cx="4650114" cy="2712566"/>
+          </a:xfrm>
+          <a:prstGeom prst="rect">
+            <a:avLst/>
+          </a:prstGeom>
+        </p:spPr>
+      </p:pic>
+    </p:spTree>
+    <p:extLst>
+      <p:ext uri="{BB962C8B-B14F-4D97-AF65-F5344CB8AC3E}">
+        <p14:creationId xmlns:p14="http://schemas.microsoft.com/office/powerpoint/2010/main" val="1297942189"/>
+      </p:ext>
+    </p:extLst>
+  </p:cSld>
+  <p:clrMapOvr>
+    <a:masterClrMapping/>
+  </p:clrMapOvr>
+  <p:timing>
+    <p:tnLst>
+      <p:par>
+        <p:cTn xmlns:p14="http://schemas.microsoft.com/office/powerpoint/2010/main" id="1" dur="indefinite" restart="never" nodeType="tmRoot">
+          <p:childTnLst>
+            <p:seq concurrent="1" nextAc="seek">
+              <p:cTn id="2" dur="indefinite" nodeType="mainSeq">
+                <p:childTnLst>
+                  <p:par>
+                    <p:cTn id="3" fill="hold">
+                      <p:stCondLst>
+                        <p:cond delay="indefinite"/>
+                      </p:stCondLst>
+                      <p:childTnLst>
+                        <p:par>
+                          <p:cTn id="4" fill="hold">
+                            <p:stCondLst>
+                              <p:cond delay="0"/>
+                            </p:stCondLst>
+                            <p:childTnLst>
+                              <p:par>
+                                <p:cTn id="5" presetID="1" presetClass="exit" presetSubtype="0" fill="hold" nodeType="clickEffect">
+                                  <p:stCondLst>
+                                    <p:cond delay="0"/>
+                                  </p:stCondLst>
+                                  <p:childTnLst>
+                                    <p:set>
+                                      <p:cBhvr>
+                                        <p:cTn id="6" dur="1" fill="hold">
+                                          <p:stCondLst>
+                                            <p:cond delay="0"/>
+                                          </p:stCondLst>
+                                        </p:cTn>
+                                        <p:tgtEl>
+                                          <p:spTgt spid="4"/>
+                                        </p:tgtEl>
+                                        <p:attrNameLst>
+                                          <p:attrName>style.visibility</p:attrName>
+                                        </p:attrNameLst>
+                                      </p:cBhvr>
+                                      <p:to>
+                                        <p:strVal val="hidden"/>
+                                      </p:to>
+                                    </p:set>
+                                  </p:childTnLst>
+                                </p:cTn>
+                              </p:par>
+                              <p:par>
+                                <p:cTn id="7" presetID="1" presetClass="entr" presetSubtype="0" fill="hold" nodeType="withEffect">
+                                  <p:stCondLst>
+                                    <p:cond delay="0"/>
+                                  </p:stCondLst>
+                                  <p:childTnLst>
+                                    <p:set>
+                                      <p:cBhvr>
+                                        <p:cTn id="8" dur="1" fill="hold">
+                                          <p:stCondLst>
+                                            <p:cond delay="0"/>
+                                          </p:stCondLst>
+                                        </p:cTn>
+                                        <p:tgtEl>
+                                          <p:spTgt spid="5"/>
+                                        </p:tgtEl>
+                                        <p:attrNameLst>
+                                          <p:attrName>style.visibility</p:attrName>
+                                        </p:attrNameLst>
+                                      </p:cBhvr>
+                                      <p:to>
+                                        <p:strVal val="visible"/>
+                                      </p:to>
+                                    </p:set>
+                                  </p:childTnLst>
+                                </p:cTn>
+                              </p:par>
+                              <p:par>
+                                <p:cTn id="9" presetID="1" presetClass="entr" presetSubtype="0" fill="hold" nodeType="withEffect">
+                                  <p:stCondLst>
+                                    <p:cond delay="0"/>
+                                  </p:stCondLst>
+                                  <p:childTnLst>
+                                    <p:set>
+                                      <p:cBhvr>
+                                        <p:cTn id="10" dur="1" fill="hold">
+                                          <p:stCondLst>
+                                            <p:cond delay="0"/>
+                                          </p:stCondLst>
+                                        </p:cTn>
+                                        <p:tgtEl>
+                                          <p:spTgt spid="3">
+                                            <p:txEl>
+                                              <p:pRg st="2" end="2"/>
+                                            </p:txEl>
+                                          </p:spTgt>
+                                        </p:tgtEl>
+                                        <p:attrNameLst>
+                                          <p:attrName>style.visibility</p:attrName>
+                                        </p:attrNameLst>
+                                      </p:cBhvr>
+                                      <p:to>
+                                        <p:strVal val="visible"/>
+                                      </p:to>
+                                    </p:set>
+                                  </p:childTnLst>
+                                </p:cTn>
+                              </p:par>
+                            </p:childTnLst>
+                          </p:cTn>
+                        </p:par>
+                      </p:childTnLst>
+                    </p:cTn>
+                  </p:par>
+                </p:childTnLst>
+              </p:cTn>
+              <p:prevCondLst>
+                <p:cond evt="onPrev" delay="0">
+                  <p:tgtEl>
+                    <p:sldTgt/>
+                  </p:tgtEl>
+                </p:cond>
+              </p:prevCondLst>
+              <p:nextCondLst>
+                <p:cond evt="onNext" delay="0">
+                  <p:tgtEl>
+                    <p:sldTgt/>
+                  </p:tgtEl>
+                </p:cond>
+              </p:nextCondLst>
+            </p:seq>
+          </p:childTnLst>
+        </p:cTn>
       </p:par>
     </p:tnLst>
   </p:timing>
